--- a/doc/introduction/images/freq_period_relation.pptx
+++ b/doc/introduction/images/freq_period_relation.pptx
@@ -6976,7 +6976,7 @@
           <a:p>
             <a:r>
               <a:rPr lang="en-US" dirty="0" err="1" smtClean="0"/>
-              <a:t>declareInitialEq</a:t>
+              <a:t>declareInitialExpression</a:t>
             </a:r>
             <a:endParaRPr lang="en-US" dirty="0"/>
           </a:p>
